--- a/doc/E-VOTING APPLICATION.pptx
+++ b/doc/E-VOTING APPLICATION.pptx
@@ -5,10 +5,10 @@
     <p:sldMasterId id="2147483648" r:id="rId4"/>
   </p:sldMasterIdLst>
   <p:notesMasterIdLst>
-    <p:notesMasterId r:id="rId14"/>
+    <p:notesMasterId r:id="rId16"/>
   </p:notesMasterIdLst>
   <p:handoutMasterIdLst>
-    <p:handoutMasterId r:id="rId15"/>
+    <p:handoutMasterId r:id="rId17"/>
   </p:handoutMasterIdLst>
   <p:sldIdLst>
     <p:sldId id="292" r:id="rId5"/>
@@ -16,10 +16,12 @@
     <p:sldId id="296" r:id="rId7"/>
     <p:sldId id="275" r:id="rId8"/>
     <p:sldId id="297" r:id="rId9"/>
-    <p:sldId id="298" r:id="rId10"/>
-    <p:sldId id="295" r:id="rId11"/>
-    <p:sldId id="294" r:id="rId12"/>
-    <p:sldId id="288" r:id="rId13"/>
+    <p:sldId id="299" r:id="rId10"/>
+    <p:sldId id="301" r:id="rId11"/>
+    <p:sldId id="298" r:id="rId12"/>
+    <p:sldId id="295" r:id="rId13"/>
+    <p:sldId id="294" r:id="rId14"/>
+    <p:sldId id="288" r:id="rId15"/>
   </p:sldIdLst>
   <p:sldSz cx="12192000" cy="6858000"/>
   <p:notesSz cx="6858000" cy="9144000"/>
@@ -240,7 +242,7 @@
           <a:p>
             <a:fld id="{8CD26A2A-0A96-0647-84E5-C82F2EFD9474}" type="datetimeFigureOut">
               <a:rPr lang="en-US" smtClean="0"/>
-              <a:t>12/21/2022</a:t>
+              <a:t>12/22/2022</a:t>
             </a:fld>
             <a:endParaRPr lang="en-US" dirty="0"/>
           </a:p>
@@ -417,7 +419,7 @@
           <a:p>
             <a:fld id="{A2B40C3B-E28A-4854-8EDA-E7F8F6F6FFEF}" type="datetimeFigureOut">
               <a:rPr lang="zh-CN" altLang="en-US" smtClean="0"/>
-              <a:t>2022/12/21</a:t>
+              <a:t>2022/12/22</a:t>
             </a:fld>
             <a:endParaRPr lang="zh-CN" altLang="en-US"/>
           </a:p>
@@ -749,7 +751,7 @@
           <a:p>
             <a:fld id="{017105BD-6D6F-49DB-9DE4-D4A6452D7E5F}" type="slidenum">
               <a:rPr lang="zh-CN" altLang="en-US" smtClean="0"/>
-              <a:t>7</a:t>
+              <a:t>9</a:t>
             </a:fld>
             <a:endParaRPr lang="zh-CN" altLang="en-US"/>
           </a:p>
@@ -23003,6 +23005,500 @@
 </p:sld>
 </file>
 
+<file path=ppt/slides/slide10.xml><?xml version="1.0" encoding="utf-8"?>
+<p:sld xmlns:a="http://schemas.openxmlformats.org/drawingml/2006/main" xmlns:r="http://schemas.openxmlformats.org/officeDocument/2006/relationships" xmlns:p="http://schemas.openxmlformats.org/presentationml/2006/main">
+  <p:cSld>
+    <p:spTree>
+      <p:nvGrpSpPr>
+        <p:cNvPr id="1" name=""/>
+        <p:cNvGrpSpPr/>
+        <p:nvPr/>
+      </p:nvGrpSpPr>
+      <p:grpSpPr>
+        <a:xfrm>
+          <a:off x="0" y="0"/>
+          <a:ext cx="0" cy="0"/>
+          <a:chOff x="0" y="0"/>
+          <a:chExt cx="0" cy="0"/>
+        </a:xfrm>
+      </p:grpSpPr>
+      <p:sp>
+        <p:nvSpPr>
+          <p:cNvPr id="4" name="Footer Placeholder 3">
+            <a:extLst>
+              <a:ext uri="{FF2B5EF4-FFF2-40B4-BE49-F238E27FC236}">
+                <a16:creationId xmlns:a16="http://schemas.microsoft.com/office/drawing/2014/main" id="{8A610345-FF40-D90A-5C88-A462A10E487B}"/>
+              </a:ext>
+            </a:extLst>
+          </p:cNvPr>
+          <p:cNvSpPr>
+            <a:spLocks noGrp="1"/>
+          </p:cNvSpPr>
+          <p:nvPr>
+            <p:ph type="ftr" sz="quarter" idx="30"/>
+          </p:nvPr>
+        </p:nvSpPr>
+        <p:spPr/>
+        <p:txBody>
+          <a:bodyPr/>
+          <a:lstStyle/>
+          <a:p>
+            <a:r>
+              <a:rPr lang="en-US" noProof="0"/>
+              <a:t>Presentation title</a:t>
+            </a:r>
+            <a:endParaRPr lang="en-US" noProof="0" dirty="0"/>
+          </a:p>
+        </p:txBody>
+      </p:sp>
+      <p:sp>
+        <p:nvSpPr>
+          <p:cNvPr id="5" name="Slide Number Placeholder 4">
+            <a:extLst>
+              <a:ext uri="{FF2B5EF4-FFF2-40B4-BE49-F238E27FC236}">
+                <a16:creationId xmlns:a16="http://schemas.microsoft.com/office/drawing/2014/main" id="{E31C7500-E032-DBB5-A780-8247E3B7367B}"/>
+              </a:ext>
+            </a:extLst>
+          </p:cNvPr>
+          <p:cNvSpPr>
+            <a:spLocks noGrp="1"/>
+          </p:cNvSpPr>
+          <p:nvPr>
+            <p:ph type="sldNum" sz="quarter" idx="31"/>
+          </p:nvPr>
+        </p:nvSpPr>
+        <p:spPr/>
+        <p:txBody>
+          <a:bodyPr/>
+          <a:lstStyle/>
+          <a:p>
+            <a:fld id="{47FEACEE-25B4-4A2D-B147-27296E36371D}" type="slidenum">
+              <a:rPr lang="en-US" altLang="zh-CN" noProof="0" smtClean="0"/>
+              <a:pPr/>
+              <a:t>10</a:t>
+            </a:fld>
+            <a:endParaRPr lang="en-US" altLang="zh-CN" noProof="0" dirty="0"/>
+          </a:p>
+        </p:txBody>
+      </p:sp>
+      <p:sp>
+        <p:nvSpPr>
+          <p:cNvPr id="7" name="TextBox 6">
+            <a:extLst>
+              <a:ext uri="{FF2B5EF4-FFF2-40B4-BE49-F238E27FC236}">
+                <a16:creationId xmlns:a16="http://schemas.microsoft.com/office/drawing/2014/main" id="{C4BE45BC-CC81-9E7C-C664-FA2E4C6985D2}"/>
+              </a:ext>
+            </a:extLst>
+          </p:cNvPr>
+          <p:cNvSpPr txBox="1"/>
+          <p:nvPr/>
+        </p:nvSpPr>
+        <p:spPr>
+          <a:xfrm>
+            <a:off x="5685183" y="397565"/>
+            <a:ext cx="5377069" cy="584775"/>
+          </a:xfrm>
+          <a:prstGeom prst="rect">
+            <a:avLst/>
+          </a:prstGeom>
+        </p:spPr>
+        <p:txBody>
+          <a:bodyPr wrap="square" rtlCol="0">
+            <a:spAutoFit/>
+          </a:bodyPr>
+          <a:lstStyle/>
+          <a:p>
+            <a:pPr marL="0" indent="0">
+              <a:lnSpc>
+                <a:spcPct val="100000"/>
+              </a:lnSpc>
+              <a:spcBef>
+                <a:spcPts val="0"/>
+              </a:spcBef>
+              <a:buFontTx/>
+              <a:buNone/>
+            </a:pPr>
+            <a:r>
+              <a:rPr lang="en-IN" sz="3200" b="1" dirty="0">
+                <a:latin typeface="Segoe UI" panose="020B0502040204020203" pitchFamily="34" charset="0"/>
+                <a:ea typeface="微软雅黑"/>
+                <a:cs typeface="Segoe UI" panose="020B0502040204020203" pitchFamily="34" charset="0"/>
+              </a:rPr>
+              <a:t>HOSTING</a:t>
+            </a:r>
+          </a:p>
+        </p:txBody>
+      </p:sp>
+      <p:sp>
+        <p:nvSpPr>
+          <p:cNvPr id="8" name="TextBox 7">
+            <a:extLst>
+              <a:ext uri="{FF2B5EF4-FFF2-40B4-BE49-F238E27FC236}">
+                <a16:creationId xmlns:a16="http://schemas.microsoft.com/office/drawing/2014/main" id="{869900C8-85E6-304C-C56E-8D67E08C516F}"/>
+              </a:ext>
+            </a:extLst>
+          </p:cNvPr>
+          <p:cNvSpPr txBox="1"/>
+          <p:nvPr/>
+        </p:nvSpPr>
+        <p:spPr>
+          <a:xfrm>
+            <a:off x="5810739" y="1702214"/>
+            <a:ext cx="5470173" cy="3323987"/>
+          </a:xfrm>
+          <a:prstGeom prst="rect">
+            <a:avLst/>
+          </a:prstGeom>
+        </p:spPr>
+        <p:txBody>
+          <a:bodyPr wrap="square" rtlCol="0">
+            <a:spAutoFit/>
+          </a:bodyPr>
+          <a:lstStyle/>
+          <a:p>
+            <a:pPr marL="0" indent="0">
+              <a:lnSpc>
+                <a:spcPct val="150000"/>
+              </a:lnSpc>
+              <a:spcBef>
+                <a:spcPts val="0"/>
+              </a:spcBef>
+              <a:buFontTx/>
+              <a:buNone/>
+            </a:pPr>
+            <a:r>
+              <a:rPr lang="en-IN" dirty="0">
+                <a:ea typeface="微软雅黑"/>
+                <a:cs typeface="Aparajita" panose="02020603050405020304" pitchFamily="18" charset="0"/>
+              </a:rPr>
+              <a:t>Render is a unified cloud to build and run all your apps and websites with free TLS certificates, a global CDN, DDoS protection, private networks, and deploys from Git.</a:t>
+            </a:r>
+          </a:p>
+          <a:p>
+            <a:pPr marL="0" indent="0">
+              <a:lnSpc>
+                <a:spcPct val="100000"/>
+              </a:lnSpc>
+              <a:spcBef>
+                <a:spcPts val="0"/>
+              </a:spcBef>
+              <a:buFontTx/>
+              <a:buNone/>
+            </a:pPr>
+            <a:endParaRPr lang="en-IN" sz="1800" dirty="0">
+              <a:latin typeface="Posterama" panose="020B0504020200020000" pitchFamily="34" charset="0"/>
+              <a:ea typeface="微软雅黑"/>
+              <a:cs typeface="Posterama" panose="020B0504020200020000" pitchFamily="34" charset="0"/>
+            </a:endParaRPr>
+          </a:p>
+          <a:p>
+            <a:pPr marL="0" indent="0">
+              <a:lnSpc>
+                <a:spcPct val="100000"/>
+              </a:lnSpc>
+              <a:spcBef>
+                <a:spcPts val="0"/>
+              </a:spcBef>
+              <a:buFontTx/>
+              <a:buNone/>
+            </a:pPr>
+            <a:endParaRPr lang="en-IN" dirty="0">
+              <a:latin typeface="Posterama" panose="020B0504020200020000" pitchFamily="34" charset="0"/>
+              <a:ea typeface="微软雅黑"/>
+              <a:cs typeface="Posterama" panose="020B0504020200020000" pitchFamily="34" charset="0"/>
+            </a:endParaRPr>
+          </a:p>
+          <a:p>
+            <a:pPr marL="0" indent="0">
+              <a:lnSpc>
+                <a:spcPct val="100000"/>
+              </a:lnSpc>
+              <a:spcBef>
+                <a:spcPts val="0"/>
+              </a:spcBef>
+              <a:buFontTx/>
+              <a:buNone/>
+            </a:pPr>
+            <a:endParaRPr lang="en-IN" sz="1800" dirty="0">
+              <a:latin typeface="Posterama" panose="020B0504020200020000" pitchFamily="34" charset="0"/>
+              <a:ea typeface="微软雅黑"/>
+              <a:cs typeface="Posterama" panose="020B0504020200020000" pitchFamily="34" charset="0"/>
+            </a:endParaRPr>
+          </a:p>
+          <a:p>
+            <a:pPr marL="0" indent="0">
+              <a:lnSpc>
+                <a:spcPct val="100000"/>
+              </a:lnSpc>
+              <a:spcBef>
+                <a:spcPts val="0"/>
+              </a:spcBef>
+              <a:buFontTx/>
+              <a:buNone/>
+            </a:pPr>
+            <a:r>
+              <a:rPr lang="en-IN" dirty="0">
+                <a:latin typeface="Posterama" panose="020B0504020200020000" pitchFamily="34" charset="0"/>
+                <a:ea typeface="微软雅黑"/>
+                <a:cs typeface="Posterama" panose="020B0504020200020000" pitchFamily="34" charset="0"/>
+              </a:rPr>
+              <a:t>Link</a:t>
+            </a:r>
+          </a:p>
+          <a:p>
+            <a:pPr marL="0" indent="0">
+              <a:lnSpc>
+                <a:spcPct val="100000"/>
+              </a:lnSpc>
+              <a:spcBef>
+                <a:spcPts val="0"/>
+              </a:spcBef>
+              <a:buFontTx/>
+              <a:buNone/>
+            </a:pPr>
+            <a:endParaRPr lang="en-IN" sz="1200" dirty="0">
+              <a:latin typeface="Posterama" panose="020B0504020200020000" pitchFamily="34" charset="0"/>
+              <a:ea typeface="微软雅黑"/>
+              <a:cs typeface="Posterama" panose="020B0504020200020000" pitchFamily="34" charset="0"/>
+            </a:endParaRPr>
+          </a:p>
+          <a:p>
+            <a:pPr marL="0" indent="0">
+              <a:lnSpc>
+                <a:spcPct val="100000"/>
+              </a:lnSpc>
+              <a:spcBef>
+                <a:spcPts val="0"/>
+              </a:spcBef>
+              <a:buFontTx/>
+              <a:buNone/>
+            </a:pPr>
+            <a:r>
+              <a:rPr lang="en-IN" sz="1800" dirty="0">
+                <a:solidFill>
+                  <a:schemeClr val="accent1">
+                    <a:lumMod val="75000"/>
+                  </a:schemeClr>
+                </a:solidFill>
+                <a:latin typeface="Posterama" panose="020B0504020200020000" pitchFamily="34" charset="0"/>
+                <a:ea typeface="微软雅黑"/>
+                <a:cs typeface="Posterama" panose="020B0504020200020000" pitchFamily="34" charset="0"/>
+                <a:hlinkClick r:id="rId2">
+                  <a:extLst>
+                    <a:ext uri="{A12FA001-AC4F-418D-AE19-62706E023703}">
+                      <ahyp:hlinkClr xmlns:ahyp="http://schemas.microsoft.com/office/drawing/2018/hyperlinkcolor" val="tx"/>
+                    </a:ext>
+                  </a:extLst>
+                </a:hlinkClick>
+              </a:rPr>
+              <a:t>https://voting-application.onrender.com/</a:t>
+            </a:r>
+            <a:endParaRPr lang="en-IN" sz="1800" dirty="0">
+              <a:solidFill>
+                <a:schemeClr val="accent1">
+                  <a:lumMod val="75000"/>
+                </a:schemeClr>
+              </a:solidFill>
+              <a:latin typeface="Posterama" panose="020B0504020200020000" pitchFamily="34" charset="0"/>
+              <a:ea typeface="微软雅黑"/>
+              <a:cs typeface="Posterama" panose="020B0504020200020000" pitchFamily="34" charset="0"/>
+            </a:endParaRPr>
+          </a:p>
+        </p:txBody>
+      </p:sp>
+    </p:spTree>
+    <p:extLst>
+      <p:ext uri="{BB962C8B-B14F-4D97-AF65-F5344CB8AC3E}">
+        <p14:creationId xmlns:p14="http://schemas.microsoft.com/office/powerpoint/2010/main" val="32955924"/>
+      </p:ext>
+    </p:extLst>
+  </p:cSld>
+  <p:clrMapOvr>
+    <a:masterClrMapping/>
+  </p:clrMapOvr>
+</p:sld>
+</file>
+
+<file path=ppt/slides/slide11.xml><?xml version="1.0" encoding="utf-8"?>
+<p:sld xmlns:a="http://schemas.openxmlformats.org/drawingml/2006/main" xmlns:r="http://schemas.openxmlformats.org/officeDocument/2006/relationships" xmlns:p="http://schemas.openxmlformats.org/presentationml/2006/main">
+  <p:cSld>
+    <p:spTree>
+      <p:nvGrpSpPr>
+        <p:cNvPr id="1" name=""/>
+        <p:cNvGrpSpPr/>
+        <p:nvPr/>
+      </p:nvGrpSpPr>
+      <p:grpSpPr>
+        <a:xfrm>
+          <a:off x="0" y="0"/>
+          <a:ext cx="0" cy="0"/>
+          <a:chOff x="0" y="0"/>
+          <a:chExt cx="0" cy="0"/>
+        </a:xfrm>
+      </p:grpSpPr>
+      <p:sp>
+        <p:nvSpPr>
+          <p:cNvPr id="6" name="Title 5">
+            <a:extLst>
+              <a:ext uri="{FF2B5EF4-FFF2-40B4-BE49-F238E27FC236}">
+                <a16:creationId xmlns:a16="http://schemas.microsoft.com/office/drawing/2014/main" id="{4EFA9173-F892-5C7D-99AF-4C5FFB1532B4}"/>
+              </a:ext>
+            </a:extLst>
+          </p:cNvPr>
+          <p:cNvSpPr>
+            <a:spLocks noGrp="1"/>
+          </p:cNvSpPr>
+          <p:nvPr>
+            <p:ph type="title"/>
+          </p:nvPr>
+        </p:nvSpPr>
+        <p:spPr/>
+        <p:txBody>
+          <a:bodyPr/>
+          <a:lstStyle/>
+          <a:p>
+            <a:r>
+              <a:rPr lang="en-US" dirty="0"/>
+              <a:t>THANK YOU</a:t>
+            </a:r>
+          </a:p>
+        </p:txBody>
+      </p:sp>
+      <p:sp>
+        <p:nvSpPr>
+          <p:cNvPr id="29" name="Text Placeholder 28">
+            <a:extLst>
+              <a:ext uri="{FF2B5EF4-FFF2-40B4-BE49-F238E27FC236}">
+                <a16:creationId xmlns:a16="http://schemas.microsoft.com/office/drawing/2014/main" id="{52FD53DB-CD39-2575-F8BA-63488E81091E}"/>
+              </a:ext>
+            </a:extLst>
+          </p:cNvPr>
+          <p:cNvSpPr>
+            <a:spLocks noGrp="1"/>
+          </p:cNvSpPr>
+          <p:nvPr>
+            <p:ph type="body" sz="quarter" idx="28"/>
+          </p:nvPr>
+        </p:nvSpPr>
+        <p:spPr>
+          <a:xfrm>
+            <a:off x="517427" y="3253120"/>
+            <a:ext cx="4621103" cy="1159854"/>
+          </a:xfrm>
+        </p:spPr>
+        <p:txBody>
+          <a:bodyPr/>
+          <a:lstStyle/>
+          <a:p>
+            <a:r>
+              <a:rPr lang="en-US" dirty="0"/>
+              <a:t>Name: Vishwanath A</a:t>
+            </a:r>
+          </a:p>
+          <a:p>
+            <a:r>
+              <a:rPr lang="en-US" dirty="0"/>
+              <a:t>Reg No: 21CSEA35</a:t>
+            </a:r>
+          </a:p>
+          <a:p>
+            <a:r>
+              <a:rPr lang="en-US" dirty="0"/>
+              <a:t>Course: 2</a:t>
+            </a:r>
+            <a:r>
+              <a:rPr lang="en-US" baseline="30000" dirty="0"/>
+              <a:t>nd</a:t>
+            </a:r>
+            <a:r>
+              <a:rPr lang="en-US" dirty="0"/>
+              <a:t> MCA – 1</a:t>
+            </a:r>
+            <a:r>
+              <a:rPr lang="en-US" baseline="30000" dirty="0"/>
+              <a:t>st</a:t>
+            </a:r>
+            <a:r>
+              <a:rPr lang="en-US" dirty="0"/>
+              <a:t> Batch</a:t>
+            </a:r>
+          </a:p>
+          <a:p>
+            <a:endParaRPr lang="en-US" dirty="0"/>
+          </a:p>
+        </p:txBody>
+      </p:sp>
+      <p:pic>
+        <p:nvPicPr>
+          <p:cNvPr id="38" name="Picture Placeholder 37">
+            <a:extLst>
+              <a:ext uri="{FF2B5EF4-FFF2-40B4-BE49-F238E27FC236}">
+                <a16:creationId xmlns:a16="http://schemas.microsoft.com/office/drawing/2014/main" id="{4162880A-4A88-ED9F-357E-65638ED8BB0C}"/>
+              </a:ext>
+            </a:extLst>
+          </p:cNvPr>
+          <p:cNvPicPr>
+            <a:picLocks noGrp="1" noChangeAspect="1"/>
+          </p:cNvPicPr>
+          <p:nvPr>
+            <p:ph type="pic" sz="quarter" idx="48"/>
+          </p:nvPr>
+        </p:nvPicPr>
+        <p:blipFill>
+          <a:blip r:embed="rId2"/>
+          <a:srcRect/>
+          <a:stretch/>
+        </p:blipFill>
+        <p:spPr>
+          <a:xfrm>
+            <a:off x="7493157" y="1478422"/>
+            <a:ext cx="4401828" cy="2934552"/>
+          </a:xfrm>
+        </p:spPr>
+      </p:pic>
+      <p:sp>
+        <p:nvSpPr>
+          <p:cNvPr id="5" name="Slide Number Placeholder 4">
+            <a:extLst>
+              <a:ext uri="{FF2B5EF4-FFF2-40B4-BE49-F238E27FC236}">
+                <a16:creationId xmlns:a16="http://schemas.microsoft.com/office/drawing/2014/main" id="{02F30A6A-65C9-04FE-77CF-C95CC406DBDB}"/>
+              </a:ext>
+            </a:extLst>
+          </p:cNvPr>
+          <p:cNvSpPr>
+            <a:spLocks noGrp="1"/>
+          </p:cNvSpPr>
+          <p:nvPr>
+            <p:ph type="sldNum" sz="quarter" idx="50"/>
+          </p:nvPr>
+        </p:nvSpPr>
+        <p:spPr/>
+        <p:txBody>
+          <a:bodyPr/>
+          <a:lstStyle/>
+          <a:p>
+            <a:fld id="{47FEACEE-25B4-4A2D-B147-27296E36371D}" type="slidenum">
+              <a:rPr lang="en-US" altLang="zh-CN" smtClean="0"/>
+              <a:pPr/>
+              <a:t>11</a:t>
+            </a:fld>
+            <a:endParaRPr lang="en-US" altLang="zh-CN" dirty="0"/>
+          </a:p>
+        </p:txBody>
+      </p:sp>
+    </p:spTree>
+    <p:extLst>
+      <p:ext uri="{BB962C8B-B14F-4D97-AF65-F5344CB8AC3E}">
+        <p14:creationId xmlns:p14="http://schemas.microsoft.com/office/powerpoint/2010/main" val="4157533387"/>
+      </p:ext>
+    </p:extLst>
+  </p:cSld>
+  <p:clrMapOvr>
+    <a:masterClrMapping/>
+  </p:clrMapOvr>
+</p:sld>
+</file>
+
 <file path=ppt/slides/slide2.xml><?xml version="1.0" encoding="utf-8"?>
 <p:sld xmlns:a="http://schemas.openxmlformats.org/drawingml/2006/main" xmlns:r="http://schemas.openxmlformats.org/officeDocument/2006/relationships" xmlns:p="http://schemas.openxmlformats.org/presentationml/2006/main">
   <p:cSld>
@@ -24229,7 +24725,7 @@
         </p:nvSpPr>
         <p:spPr>
           <a:xfrm>
-            <a:off x="3765514" y="447446"/>
+            <a:off x="3272447" y="447446"/>
             <a:ext cx="6432035" cy="720316"/>
           </a:xfrm>
         </p:spPr>
@@ -24272,6 +24768,364 @@
               <a:rPr lang="en-US" altLang="zh-CN" smtClean="0"/>
               <a:pPr/>
               <a:t>5</a:t>
+            </a:fld>
+            <a:endParaRPr lang="en-US" altLang="zh-CN" dirty="0"/>
+          </a:p>
+        </p:txBody>
+      </p:sp>
+      <p:sp>
+        <p:nvSpPr>
+          <p:cNvPr id="7" name="Rectangle 6">
+            <a:extLst>
+              <a:ext uri="{FF2B5EF4-FFF2-40B4-BE49-F238E27FC236}">
+                <a16:creationId xmlns:a16="http://schemas.microsoft.com/office/drawing/2014/main" id="{D10963CB-A195-EBDB-C78F-389B0E1CB98A}"/>
+              </a:ext>
+            </a:extLst>
+          </p:cNvPr>
+          <p:cNvSpPr/>
+          <p:nvPr/>
+        </p:nvSpPr>
+        <p:spPr>
+          <a:xfrm>
+            <a:off x="1" y="0"/>
+            <a:ext cx="2687216" cy="6583045"/>
+          </a:xfrm>
+          <a:prstGeom prst="rect">
+            <a:avLst/>
+          </a:prstGeom>
+          <a:solidFill>
+            <a:srgbClr val="F8F6F5"/>
+          </a:solidFill>
+          <a:ln>
+            <a:solidFill>
+              <a:srgbClr val="F8F6F5"/>
+            </a:solidFill>
+          </a:ln>
+        </p:spPr>
+        <p:style>
+          <a:lnRef idx="2">
+            <a:schemeClr val="accent1">
+              <a:shade val="50000"/>
+            </a:schemeClr>
+          </a:lnRef>
+          <a:fillRef idx="1">
+            <a:schemeClr val="accent1"/>
+          </a:fillRef>
+          <a:effectRef idx="0">
+            <a:schemeClr val="accent1"/>
+          </a:effectRef>
+          <a:fontRef idx="minor">
+            <a:schemeClr val="lt1"/>
+          </a:fontRef>
+        </p:style>
+        <p:txBody>
+          <a:bodyPr rtlCol="0" anchor="ctr"/>
+          <a:lstStyle/>
+          <a:p>
+            <a:pPr algn="ctr"/>
+            <a:endParaRPr lang="en-IN"/>
+          </a:p>
+        </p:txBody>
+      </p:sp>
+      <p:pic>
+        <p:nvPicPr>
+          <p:cNvPr id="6" name="Picture 5">
+            <a:extLst>
+              <a:ext uri="{FF2B5EF4-FFF2-40B4-BE49-F238E27FC236}">
+                <a16:creationId xmlns:a16="http://schemas.microsoft.com/office/drawing/2014/main" id="{71BF7551-C541-4EE8-2BFC-6EB7074401B6}"/>
+              </a:ext>
+            </a:extLst>
+          </p:cNvPr>
+          <p:cNvPicPr>
+            <a:picLocks noChangeAspect="1"/>
+          </p:cNvPicPr>
+          <p:nvPr/>
+        </p:nvPicPr>
+        <p:blipFill>
+          <a:blip r:embed="rId2"/>
+          <a:srcRect/>
+          <a:stretch/>
+        </p:blipFill>
+        <p:spPr>
+          <a:xfrm>
+            <a:off x="585231" y="1167762"/>
+            <a:ext cx="1936852" cy="3637503"/>
+          </a:xfrm>
+          <a:prstGeom prst="rect">
+            <a:avLst/>
+          </a:prstGeom>
+        </p:spPr>
+      </p:pic>
+      <p:sp>
+        <p:nvSpPr>
+          <p:cNvPr id="18" name="TextBox 17">
+            <a:extLst>
+              <a:ext uri="{FF2B5EF4-FFF2-40B4-BE49-F238E27FC236}">
+                <a16:creationId xmlns:a16="http://schemas.microsoft.com/office/drawing/2014/main" id="{4A2F1B76-CC65-70ED-C671-DBAE7FDB20A6}"/>
+              </a:ext>
+            </a:extLst>
+          </p:cNvPr>
+          <p:cNvSpPr txBox="1"/>
+          <p:nvPr/>
+        </p:nvSpPr>
+        <p:spPr>
+          <a:xfrm>
+            <a:off x="3272448" y="1315617"/>
+            <a:ext cx="8151018" cy="4619663"/>
+          </a:xfrm>
+          <a:prstGeom prst="rect">
+            <a:avLst/>
+          </a:prstGeom>
+        </p:spPr>
+        <p:txBody>
+          <a:bodyPr wrap="square" rtlCol="0">
+            <a:spAutoFit/>
+          </a:bodyPr>
+          <a:lstStyle/>
+          <a:p>
+            <a:pPr marL="0" indent="0" algn="just">
+              <a:lnSpc>
+                <a:spcPct val="150000"/>
+              </a:lnSpc>
+              <a:spcBef>
+                <a:spcPts val="0"/>
+              </a:spcBef>
+              <a:buFontTx/>
+              <a:buNone/>
+            </a:pPr>
+            <a:r>
+              <a:rPr lang="en-US" b="0" i="0" dirty="0">
+                <a:solidFill>
+                  <a:srgbClr val="273239"/>
+                </a:solidFill>
+                <a:effectLst/>
+              </a:rPr>
+              <a:t>MongoDB is an open-source document-oriented database that is designed to store a large scale of data and also allows you to work with that data very efficiently. It is categorized under the NoSQL (Not only SQL) database because the storage and retrieval of data in the MongoDB are not in the form of tables.</a:t>
+            </a:r>
+          </a:p>
+          <a:p>
+            <a:pPr marL="0" indent="0" algn="just">
+              <a:lnSpc>
+                <a:spcPct val="150000"/>
+              </a:lnSpc>
+              <a:spcBef>
+                <a:spcPts val="0"/>
+              </a:spcBef>
+              <a:buFontTx/>
+              <a:buNone/>
+            </a:pPr>
+            <a:endParaRPr lang="en-US" dirty="0">
+              <a:solidFill>
+                <a:srgbClr val="273239"/>
+              </a:solidFill>
+            </a:endParaRPr>
+          </a:p>
+          <a:p>
+            <a:pPr marL="0" indent="0" algn="just">
+              <a:lnSpc>
+                <a:spcPct val="150000"/>
+              </a:lnSpc>
+              <a:spcBef>
+                <a:spcPts val="0"/>
+              </a:spcBef>
+              <a:buFontTx/>
+              <a:buNone/>
+            </a:pPr>
+            <a:r>
+              <a:rPr lang="en-US" b="0" i="0" dirty="0">
+                <a:solidFill>
+                  <a:srgbClr val="273239"/>
+                </a:solidFill>
+                <a:effectLst/>
+              </a:rPr>
+              <a:t>It also provides official driver support for all the popular languages like C, C++, C#, and </a:t>
+            </a:r>
+            <a:r>
+              <a:rPr lang="en-US" b="0" i="0" dirty="0" err="1">
+                <a:solidFill>
+                  <a:srgbClr val="273239"/>
+                </a:solidFill>
+                <a:effectLst/>
+              </a:rPr>
+              <a:t>.Net</a:t>
+            </a:r>
+            <a:r>
+              <a:rPr lang="en-US" b="0" i="0" dirty="0">
+                <a:solidFill>
+                  <a:srgbClr val="273239"/>
+                </a:solidFill>
+                <a:effectLst/>
+              </a:rPr>
+              <a:t>, Go, Java, Node.js, Perl, PHP, Python, Motor, Ruby, Scala, Swift, </a:t>
+            </a:r>
+            <a:r>
+              <a:rPr lang="en-US" b="0" i="0" dirty="0" err="1">
+                <a:solidFill>
+                  <a:srgbClr val="273239"/>
+                </a:solidFill>
+                <a:effectLst/>
+              </a:rPr>
+              <a:t>Mongoid</a:t>
+            </a:r>
+            <a:r>
+              <a:rPr lang="en-US" b="0" i="0" dirty="0">
+                <a:solidFill>
+                  <a:srgbClr val="273239"/>
+                </a:solidFill>
+                <a:effectLst/>
+              </a:rPr>
+              <a:t>.</a:t>
+            </a:r>
+          </a:p>
+          <a:p>
+            <a:pPr marL="0" indent="0" algn="just">
+              <a:lnSpc>
+                <a:spcPct val="150000"/>
+              </a:lnSpc>
+              <a:spcBef>
+                <a:spcPts val="0"/>
+              </a:spcBef>
+              <a:buFontTx/>
+              <a:buNone/>
+            </a:pPr>
+            <a:endParaRPr lang="en-US" dirty="0">
+              <a:solidFill>
+                <a:srgbClr val="273239"/>
+              </a:solidFill>
+            </a:endParaRPr>
+          </a:p>
+          <a:p>
+            <a:pPr marL="0" indent="0" algn="just">
+              <a:lnSpc>
+                <a:spcPct val="150000"/>
+              </a:lnSpc>
+              <a:spcBef>
+                <a:spcPts val="0"/>
+              </a:spcBef>
+              <a:buFontTx/>
+              <a:buNone/>
+            </a:pPr>
+            <a:r>
+              <a:rPr lang="en-US" b="0" i="0" dirty="0">
+                <a:solidFill>
+                  <a:srgbClr val="273239"/>
+                </a:solidFill>
+                <a:effectLst/>
+              </a:rPr>
+              <a:t>Nowadays there are so many companies that used MongoDB like Facebook, Nokia, eBay, Adobe, Google, etc. to store their large amount of data. </a:t>
+            </a:r>
+            <a:r>
+              <a:rPr lang="en-US" b="0" i="0" dirty="0">
+                <a:solidFill>
+                  <a:srgbClr val="273239"/>
+                </a:solidFill>
+                <a:effectLst/>
+                <a:latin typeface="urw-din"/>
+              </a:rPr>
+              <a:t> </a:t>
+            </a:r>
+            <a:endParaRPr lang="en-IN" sz="1800" dirty="0">
+              <a:solidFill>
+                <a:srgbClr val="FF0000"/>
+              </a:solidFill>
+              <a:latin typeface="Posterama" panose="020B0504020200020000" pitchFamily="34" charset="0"/>
+              <a:ea typeface="微软雅黑"/>
+              <a:cs typeface="Posterama" panose="020B0504020200020000" pitchFamily="34" charset="0"/>
+            </a:endParaRPr>
+          </a:p>
+        </p:txBody>
+      </p:sp>
+    </p:spTree>
+    <p:extLst>
+      <p:ext uri="{BB962C8B-B14F-4D97-AF65-F5344CB8AC3E}">
+        <p14:creationId xmlns:p14="http://schemas.microsoft.com/office/powerpoint/2010/main" val="357833177"/>
+      </p:ext>
+    </p:extLst>
+  </p:cSld>
+  <p:clrMapOvr>
+    <a:masterClrMapping/>
+  </p:clrMapOvr>
+</p:sld>
+</file>
+
+<file path=ppt/slides/slide6.xml><?xml version="1.0" encoding="utf-8"?>
+<p:sld xmlns:a="http://schemas.openxmlformats.org/drawingml/2006/main" xmlns:r="http://schemas.openxmlformats.org/officeDocument/2006/relationships" xmlns:p="http://schemas.openxmlformats.org/presentationml/2006/main">
+  <p:cSld>
+    <p:spTree>
+      <p:nvGrpSpPr>
+        <p:cNvPr id="1" name=""/>
+        <p:cNvGrpSpPr/>
+        <p:nvPr/>
+      </p:nvGrpSpPr>
+      <p:grpSpPr>
+        <a:xfrm>
+          <a:off x="0" y="0"/>
+          <a:ext cx="0" cy="0"/>
+          <a:chOff x="0" y="0"/>
+          <a:chExt cx="0" cy="0"/>
+        </a:xfrm>
+      </p:grpSpPr>
+      <p:sp>
+        <p:nvSpPr>
+          <p:cNvPr id="60" name="Title 59">
+            <a:extLst>
+              <a:ext uri="{FF2B5EF4-FFF2-40B4-BE49-F238E27FC236}">
+                <a16:creationId xmlns:a16="http://schemas.microsoft.com/office/drawing/2014/main" id="{0031CE36-F77D-3964-C169-771DBA49D28A}"/>
+              </a:ext>
+            </a:extLst>
+          </p:cNvPr>
+          <p:cNvSpPr>
+            <a:spLocks noGrp="1"/>
+          </p:cNvSpPr>
+          <p:nvPr>
+            <p:ph type="title"/>
+          </p:nvPr>
+        </p:nvSpPr>
+        <p:spPr>
+          <a:xfrm>
+            <a:off x="3765514" y="447446"/>
+            <a:ext cx="6432035" cy="720316"/>
+          </a:xfrm>
+        </p:spPr>
+        <p:txBody>
+          <a:bodyPr/>
+          <a:lstStyle/>
+          <a:p>
+            <a:r>
+              <a:rPr lang="en-US" dirty="0">
+                <a:latin typeface="Segoe UI" panose="020B0502040204020203" pitchFamily="34" charset="0"/>
+                <a:cs typeface="Segoe UI" panose="020B0502040204020203" pitchFamily="34" charset="0"/>
+              </a:rPr>
+              <a:t>DOCKER</a:t>
+            </a:r>
+          </a:p>
+        </p:txBody>
+      </p:sp>
+      <p:sp>
+        <p:nvSpPr>
+          <p:cNvPr id="5" name="Slide Number Placeholder 4">
+            <a:extLst>
+              <a:ext uri="{FF2B5EF4-FFF2-40B4-BE49-F238E27FC236}">
+                <a16:creationId xmlns:a16="http://schemas.microsoft.com/office/drawing/2014/main" id="{2B243AAE-D428-CAAE-DCAF-0266FEEEAC70}"/>
+              </a:ext>
+            </a:extLst>
+          </p:cNvPr>
+          <p:cNvSpPr>
+            <a:spLocks noGrp="1"/>
+          </p:cNvSpPr>
+          <p:nvPr>
+            <p:ph type="sldNum" sz="quarter" idx="55"/>
+          </p:nvPr>
+        </p:nvSpPr>
+        <p:spPr/>
+        <p:txBody>
+          <a:bodyPr/>
+          <a:lstStyle/>
+          <a:p>
+            <a:fld id="{47FEACEE-25B4-4A2D-B147-27296E36371D}" type="slidenum">
+              <a:rPr lang="en-US" altLang="zh-CN" smtClean="0"/>
+              <a:pPr/>
+              <a:t>6</a:t>
             </a:fld>
             <a:endParaRPr lang="en-US" altLang="zh-CN" dirty="0"/>
           </a:p>
@@ -24352,8 +25206,8 @@
         </p:blipFill>
         <p:spPr>
           <a:xfrm>
-            <a:off x="585230" y="1167762"/>
-            <a:ext cx="2109451" cy="3961653"/>
+            <a:off x="585230" y="2402823"/>
+            <a:ext cx="2764325" cy="1954573"/>
           </a:xfrm>
           <a:prstGeom prst="rect">
             <a:avLst/>
@@ -24374,8 +25228,8 @@
         </p:nvSpPr>
         <p:spPr>
           <a:xfrm>
-            <a:off x="3765514" y="1590262"/>
-            <a:ext cx="7724121" cy="4619663"/>
+            <a:off x="3470048" y="1693525"/>
+            <a:ext cx="7724121" cy="3373168"/>
           </a:xfrm>
           <a:prstGeom prst="rect">
             <a:avLst/>
@@ -24398,14 +25252,8 @@
               <a:buNone/>
             </a:pPr>
             <a:r>
-              <a:rPr lang="en-US" b="0" i="0" dirty="0">
-                <a:solidFill>
-                  <a:srgbClr val="273239"/>
-                </a:solidFill>
-                <a:effectLst/>
-                <a:latin typeface="urw-din"/>
-              </a:rPr>
-              <a:t>MongoDB is an open-source document-oriented database that is designed to store a large scale of data and also allows you to work with that data very efficiently. It is categorized under the NoSQL (Not only SQL) database because the storage and retrieval of data in the MongoDB are not in the form of tables.</a:t>
+              <a:rPr lang="en-US" dirty="0"/>
+              <a:t>Docker is an open platform for developing, shipping, and running applications. Docker enables you to separate your applications from your infrastructure so you can deliver software quickly.</a:t>
             </a:r>
           </a:p>
           <a:p>
@@ -24419,10 +25267,11 @@
               <a:buFontTx/>
               <a:buNone/>
             </a:pPr>
-            <a:endParaRPr lang="en-US" dirty="0">
+            <a:endParaRPr lang="en-US" b="0" i="0" dirty="0">
               <a:solidFill>
                 <a:srgbClr val="273239"/>
               </a:solidFill>
+              <a:effectLst/>
               <a:latin typeface="urw-din"/>
             </a:endParaRPr>
           </a:p>
@@ -24438,67 +25287,9 @@
               <a:buNone/>
             </a:pPr>
             <a:r>
-              <a:rPr lang="en-US" b="0" i="0" dirty="0">
-                <a:solidFill>
-                  <a:srgbClr val="273239"/>
-                </a:solidFill>
-                <a:effectLst/>
-                <a:latin typeface="urw-din"/>
-              </a:rPr>
-              <a:t>It also provides official driver support for all the popular languages like C, C++, C#, and </a:t>
+              <a:rPr lang="en-US" dirty="0"/>
+              <a:t>With Docker, you can manage your infrastructure in the same ways you manage your applications. By taking advantage of Docker’s methodologies for shipping, testing, and deploying code quickly, you can significantly reduce the delay between writing code and running it in production.</a:t>
             </a:r>
-            <a:r>
-              <a:rPr lang="en-US" b="0" i="0" dirty="0" err="1">
-                <a:solidFill>
-                  <a:srgbClr val="273239"/>
-                </a:solidFill>
-                <a:effectLst/>
-                <a:latin typeface="urw-din"/>
-              </a:rPr>
-              <a:t>.Net</a:t>
-            </a:r>
-            <a:r>
-              <a:rPr lang="en-US" b="0" i="0" dirty="0">
-                <a:solidFill>
-                  <a:srgbClr val="273239"/>
-                </a:solidFill>
-                <a:effectLst/>
-                <a:latin typeface="urw-din"/>
-              </a:rPr>
-              <a:t>, Go, Java, Node.js, Perl, PHP, Python, Motor, Ruby, Scala, Swift, </a:t>
-            </a:r>
-            <a:r>
-              <a:rPr lang="en-US" b="0" i="0" dirty="0" err="1">
-                <a:solidFill>
-                  <a:srgbClr val="273239"/>
-                </a:solidFill>
-                <a:effectLst/>
-                <a:latin typeface="urw-din"/>
-              </a:rPr>
-              <a:t>Mongoid</a:t>
-            </a:r>
-            <a:r>
-              <a:rPr lang="en-US" b="0" i="0" dirty="0">
-                <a:solidFill>
-                  <a:srgbClr val="273239"/>
-                </a:solidFill>
-                <a:effectLst/>
-                <a:latin typeface="urw-din"/>
-              </a:rPr>
-              <a:t>.</a:t>
-            </a:r>
-          </a:p>
-          <a:p>
-            <a:pPr marL="0" indent="0" algn="just">
-              <a:lnSpc>
-                <a:spcPct val="150000"/>
-              </a:lnSpc>
-              <a:spcBef>
-                <a:spcPts val="0"/>
-              </a:spcBef>
-              <a:buFontTx/>
-              <a:buNone/>
-            </a:pPr>
             <a:endParaRPr lang="en-US" dirty="0">
               <a:solidFill>
                 <a:srgbClr val="273239"/>
@@ -24506,42 +25297,12 @@
               <a:latin typeface="urw-din"/>
             </a:endParaRPr>
           </a:p>
-          <a:p>
-            <a:pPr marL="0" indent="0" algn="just">
-              <a:lnSpc>
-                <a:spcPct val="150000"/>
-              </a:lnSpc>
-              <a:spcBef>
-                <a:spcPts val="0"/>
-              </a:spcBef>
-              <a:buFontTx/>
-              <a:buNone/>
-            </a:pPr>
-            <a:r>
-              <a:rPr lang="en-US" b="0" i="0" dirty="0">
-                <a:solidFill>
-                  <a:srgbClr val="273239"/>
-                </a:solidFill>
-                <a:effectLst/>
-                <a:latin typeface="urw-din"/>
-              </a:rPr>
-              <a:t>Nowadays there are so many companies that used MongoDB like Facebook, Nokia, eBay, Adobe, Google, etc. to store their large amount of data.  </a:t>
-            </a:r>
-            <a:endParaRPr lang="en-IN" sz="1800" dirty="0">
-              <a:solidFill>
-                <a:srgbClr val="FF0000"/>
-              </a:solidFill>
-              <a:latin typeface="Posterama" panose="020B0504020200020000" pitchFamily="34" charset="0"/>
-              <a:ea typeface="微软雅黑"/>
-              <a:cs typeface="Posterama" panose="020B0504020200020000" pitchFamily="34" charset="0"/>
-            </a:endParaRPr>
-          </a:p>
         </p:txBody>
       </p:sp>
     </p:spTree>
     <p:extLst>
       <p:ext uri="{BB962C8B-B14F-4D97-AF65-F5344CB8AC3E}">
-        <p14:creationId xmlns:p14="http://schemas.microsoft.com/office/powerpoint/2010/main" val="357833177"/>
+        <p14:creationId xmlns:p14="http://schemas.microsoft.com/office/powerpoint/2010/main" val="760620669"/>
       </p:ext>
     </p:extLst>
   </p:cSld>
@@ -24551,7 +25312,151 @@
 </p:sld>
 </file>
 
-<file path=ppt/slides/slide6.xml><?xml version="1.0" encoding="utf-8"?>
+<file path=ppt/slides/slide7.xml><?xml version="1.0" encoding="utf-8"?>
+<p:sld xmlns:a="http://schemas.openxmlformats.org/drawingml/2006/main" xmlns:r="http://schemas.openxmlformats.org/officeDocument/2006/relationships" xmlns:p="http://schemas.openxmlformats.org/presentationml/2006/main">
+  <p:cSld>
+    <p:spTree>
+      <p:nvGrpSpPr>
+        <p:cNvPr id="1" name=""/>
+        <p:cNvGrpSpPr/>
+        <p:nvPr/>
+      </p:nvGrpSpPr>
+      <p:grpSpPr>
+        <a:xfrm>
+          <a:off x="0" y="0"/>
+          <a:ext cx="0" cy="0"/>
+          <a:chOff x="0" y="0"/>
+          <a:chExt cx="0" cy="0"/>
+        </a:xfrm>
+      </p:grpSpPr>
+      <p:sp>
+        <p:nvSpPr>
+          <p:cNvPr id="5" name="Slide Number Placeholder 4">
+            <a:extLst>
+              <a:ext uri="{FF2B5EF4-FFF2-40B4-BE49-F238E27FC236}">
+                <a16:creationId xmlns:a16="http://schemas.microsoft.com/office/drawing/2014/main" id="{F8FD74E5-374E-8027-E35D-2A986171C7DC}"/>
+              </a:ext>
+            </a:extLst>
+          </p:cNvPr>
+          <p:cNvSpPr>
+            <a:spLocks noGrp="1"/>
+          </p:cNvSpPr>
+          <p:nvPr>
+            <p:ph type="sldNum" sz="quarter" idx="29"/>
+          </p:nvPr>
+        </p:nvSpPr>
+        <p:spPr/>
+        <p:txBody>
+          <a:bodyPr/>
+          <a:lstStyle/>
+          <a:p>
+            <a:fld id="{47FEACEE-25B4-4A2D-B147-27296E36371D}" type="slidenum">
+              <a:rPr lang="en-US" altLang="zh-CN" smtClean="0"/>
+              <a:pPr/>
+              <a:t>7</a:t>
+            </a:fld>
+            <a:endParaRPr lang="en-US" altLang="zh-CN" dirty="0"/>
+          </a:p>
+        </p:txBody>
+      </p:sp>
+      <p:pic>
+        <p:nvPicPr>
+          <p:cNvPr id="7" name="Graphic 6">
+            <a:extLst>
+              <a:ext uri="{FF2B5EF4-FFF2-40B4-BE49-F238E27FC236}">
+                <a16:creationId xmlns:a16="http://schemas.microsoft.com/office/drawing/2014/main" id="{27FBAF87-065F-AA85-33D9-ADE19CA4CB92}"/>
+              </a:ext>
+            </a:extLst>
+          </p:cNvPr>
+          <p:cNvPicPr>
+            <a:picLocks noChangeAspect="1"/>
+          </p:cNvPicPr>
+          <p:nvPr/>
+        </p:nvPicPr>
+        <p:blipFill>
+          <a:blip r:embed="rId2">
+            <a:extLst>
+              <a:ext uri="{96DAC541-7B7A-43D3-8B79-37D633B846F1}">
+                <asvg:svgBlip xmlns:asvg="http://schemas.microsoft.com/office/drawing/2016/SVG/main" r:embed="rId3"/>
+              </a:ext>
+            </a:extLst>
+          </a:blip>
+          <a:stretch>
+            <a:fillRect/>
+          </a:stretch>
+        </p:blipFill>
+        <p:spPr>
+          <a:xfrm>
+            <a:off x="1819469" y="1416513"/>
+            <a:ext cx="8997917" cy="4699606"/>
+          </a:xfrm>
+          <a:prstGeom prst="rect">
+            <a:avLst/>
+          </a:prstGeom>
+        </p:spPr>
+      </p:pic>
+      <p:sp>
+        <p:nvSpPr>
+          <p:cNvPr id="8" name="TextBox 7">
+            <a:extLst>
+              <a:ext uri="{FF2B5EF4-FFF2-40B4-BE49-F238E27FC236}">
+                <a16:creationId xmlns:a16="http://schemas.microsoft.com/office/drawing/2014/main" id="{A2AD908D-8150-1D61-24B2-667D653BCB25}"/>
+              </a:ext>
+            </a:extLst>
+          </p:cNvPr>
+          <p:cNvSpPr txBox="1"/>
+          <p:nvPr/>
+        </p:nvSpPr>
+        <p:spPr>
+          <a:xfrm>
+            <a:off x="1063690" y="401216"/>
+            <a:ext cx="5417977" cy="584775"/>
+          </a:xfrm>
+          <a:prstGeom prst="rect">
+            <a:avLst/>
+          </a:prstGeom>
+        </p:spPr>
+        <p:txBody>
+          <a:bodyPr wrap="square" rtlCol="0">
+            <a:spAutoFit/>
+          </a:bodyPr>
+          <a:lstStyle/>
+          <a:p>
+            <a:pPr marL="0" indent="0" algn="ctr">
+              <a:lnSpc>
+                <a:spcPct val="100000"/>
+              </a:lnSpc>
+              <a:spcBef>
+                <a:spcPts val="0"/>
+              </a:spcBef>
+              <a:buFontTx/>
+              <a:buNone/>
+            </a:pPr>
+            <a:r>
+              <a:rPr lang="en-IN" sz="3200" b="1" dirty="0">
+                <a:latin typeface="Segoe UI" panose="020B0502040204020203" pitchFamily="34" charset="0"/>
+                <a:ea typeface="微软雅黑"/>
+                <a:cs typeface="Segoe UI" panose="020B0502040204020203" pitchFamily="34" charset="0"/>
+              </a:rPr>
+              <a:t>DOCKER ARCHITECTURE</a:t>
+            </a:r>
+          </a:p>
+        </p:txBody>
+      </p:sp>
+    </p:spTree>
+    <p:extLst>
+      <p:ext uri="{BB962C8B-B14F-4D97-AF65-F5344CB8AC3E}">
+        <p14:creationId xmlns:p14="http://schemas.microsoft.com/office/powerpoint/2010/main" val="1735795458"/>
+      </p:ext>
+    </p:extLst>
+  </p:cSld>
+  <p:clrMapOvr>
+    <a:masterClrMapping/>
+  </p:clrMapOvr>
+</p:sld>
+</file>
+
+<file path=ppt/slides/slide8.xml><?xml version="1.0" encoding="utf-8"?>
 <p:sld xmlns:a="http://schemas.openxmlformats.org/drawingml/2006/main" xmlns:r="http://schemas.openxmlformats.org/officeDocument/2006/relationships" xmlns:p="http://schemas.openxmlformats.org/presentationml/2006/main">
   <p:cSld>
     <p:spTree>
@@ -24592,7 +25497,7 @@
             <a:fld id="{47FEACEE-25B4-4A2D-B147-27296E36371D}" type="slidenum">
               <a:rPr lang="en-US" altLang="zh-CN" smtClean="0"/>
               <a:pPr/>
-              <a:t>6</a:t>
+              <a:t>8</a:t>
             </a:fld>
             <a:endParaRPr lang="en-US" altLang="zh-CN" dirty="0"/>
           </a:p>
@@ -24939,7 +25844,6 @@
                   <a:schemeClr val="tx1"/>
                 </a:solidFill>
                 <a:effectLst/>
-                <a:latin typeface="Segoe UI Emoji" panose="020B0502040204020203" pitchFamily="34" charset="0"/>
                 <a:ea typeface="Segoe UI Emoji" panose="020B0502040204020203" pitchFamily="34" charset="0"/>
               </a:rPr>
               <a:t>A JSON web token(JWT) is </a:t>
@@ -24950,7 +25854,6 @@
                   <a:schemeClr val="tx1"/>
                 </a:solidFill>
                 <a:effectLst/>
-                <a:latin typeface="Segoe UI Emoji" panose="020B0502040204020203" pitchFamily="34" charset="0"/>
                 <a:ea typeface="Segoe UI Emoji" panose="020B0502040204020203" pitchFamily="34" charset="0"/>
               </a:rPr>
               <a:t>JSON Object </a:t>
@@ -24961,7 +25864,6 @@
                   <a:schemeClr val="tx1"/>
                 </a:solidFill>
                 <a:effectLst/>
-                <a:latin typeface="Segoe UI Emoji" panose="020B0502040204020203" pitchFamily="34" charset="0"/>
                 <a:ea typeface="Segoe UI Emoji" panose="020B0502040204020203" pitchFamily="34" charset="0"/>
               </a:rPr>
               <a:t>which is used to securely transfer information over the web(between two parties).</a:t>
@@ -24978,7 +25880,6 @@
                 <a:schemeClr val="tx1"/>
               </a:solidFill>
               <a:effectLst/>
-              <a:latin typeface="Segoe UI Emoji" panose="020B0502040204020203" pitchFamily="34" charset="0"/>
               <a:ea typeface="Segoe UI Emoji" panose="020B0502040204020203" pitchFamily="34" charset="0"/>
             </a:endParaRPr>
           </a:p>
@@ -24996,7 +25897,6 @@
                   <a:schemeClr val="tx1"/>
                 </a:solidFill>
                 <a:effectLst/>
-                <a:latin typeface="Segoe UI Emoji" panose="020B0502040204020203" pitchFamily="34" charset="0"/>
                 <a:ea typeface="Segoe UI Emoji" panose="020B0502040204020203" pitchFamily="34" charset="0"/>
               </a:rPr>
               <a:t>It can be used for an authentication system and can also be used for information exchange.</a:t>
@@ -25006,7 +25906,6 @@
                 <a:solidFill>
                   <a:schemeClr val="tx1"/>
                 </a:solidFill>
-                <a:latin typeface="Segoe UI Emoji" panose="020B0502040204020203" pitchFamily="34" charset="0"/>
                 <a:ea typeface="Segoe UI Emoji" panose="020B0502040204020203" pitchFamily="34" charset="0"/>
               </a:rPr>
               <a:t> </a:t>
@@ -25022,7 +25921,6 @@
               <a:solidFill>
                 <a:schemeClr val="tx1"/>
               </a:solidFill>
-              <a:latin typeface="Segoe UI Emoji" panose="020B0502040204020203" pitchFamily="34" charset="0"/>
               <a:ea typeface="Segoe UI Emoji" panose="020B0502040204020203" pitchFamily="34" charset="0"/>
             </a:endParaRPr>
           </a:p>
@@ -25040,7 +25938,6 @@
                   <a:schemeClr val="tx1"/>
                 </a:solidFill>
                 <a:effectLst/>
-                <a:latin typeface="Segoe UI Emoji" panose="020B0502040204020203" pitchFamily="34" charset="0"/>
                 <a:ea typeface="Segoe UI Emoji" panose="020B0502040204020203" pitchFamily="34" charset="0"/>
               </a:rPr>
               <a:t>The token is mainly composed of </a:t>
@@ -25051,7 +25948,6 @@
                   <a:schemeClr val="tx1"/>
                 </a:solidFill>
                 <a:effectLst/>
-                <a:latin typeface="Segoe UI Emoji" panose="020B0502040204020203" pitchFamily="34" charset="0"/>
                 <a:ea typeface="Segoe UI Emoji" panose="020B0502040204020203" pitchFamily="34" charset="0"/>
               </a:rPr>
               <a:t>header, payload, signature.</a:t>
@@ -25068,7 +25964,6 @@
                 <a:schemeClr val="tx1"/>
               </a:solidFill>
               <a:effectLst/>
-              <a:latin typeface="Segoe UI Emoji" panose="020B0502040204020203" pitchFamily="34" charset="0"/>
               <a:ea typeface="Segoe UI Emoji" panose="020B0502040204020203" pitchFamily="34" charset="0"/>
             </a:endParaRPr>
           </a:p>
@@ -25086,7 +25981,6 @@
                   <a:schemeClr val="tx1"/>
                 </a:solidFill>
                 <a:effectLst/>
-                <a:latin typeface="Segoe UI Emoji" panose="020B0502040204020203" pitchFamily="34" charset="0"/>
                 <a:ea typeface="Segoe UI Emoji" panose="020B0502040204020203" pitchFamily="34" charset="0"/>
               </a:rPr>
               <a:t>JWTs can be signed using a secret (with the </a:t>
@@ -25097,7 +25991,6 @@
                   <a:schemeClr val="tx1"/>
                 </a:solidFill>
                 <a:effectLst/>
-                <a:latin typeface="Segoe UI Emoji" panose="020B0502040204020203" pitchFamily="34" charset="0"/>
                 <a:ea typeface="Segoe UI Emoji" panose="020B0502040204020203" pitchFamily="34" charset="0"/>
               </a:rPr>
               <a:t>HMAC</a:t>
@@ -25108,7 +26001,6 @@
                   <a:schemeClr val="tx1"/>
                 </a:solidFill>
                 <a:effectLst/>
-                <a:latin typeface="Segoe UI Emoji" panose="020B0502040204020203" pitchFamily="34" charset="0"/>
                 <a:ea typeface="Segoe UI Emoji" panose="020B0502040204020203" pitchFamily="34" charset="0"/>
               </a:rPr>
               <a:t> algorithm) or a public/private key.</a:t>
@@ -25117,7 +26009,6 @@
               <a:solidFill>
                 <a:schemeClr val="tx1"/>
               </a:solidFill>
-              <a:latin typeface="Segoe UI Emoji" panose="020B0502040204020203" pitchFamily="34" charset="0"/>
               <a:ea typeface="Segoe UI Emoji" panose="020B0502040204020203" pitchFamily="34" charset="0"/>
             </a:endParaRPr>
           </a:p>
@@ -25136,7 +26027,7 @@
 </p:sld>
 </file>
 
-<file path=ppt/slides/slide7.xml><?xml version="1.0" encoding="utf-8"?>
+<file path=ppt/slides/slide9.xml><?xml version="1.0" encoding="utf-8"?>
 <p:sld xmlns:a="http://schemas.openxmlformats.org/drawingml/2006/main" xmlns:r="http://schemas.openxmlformats.org/officeDocument/2006/relationships" xmlns:p="http://schemas.openxmlformats.org/presentationml/2006/main">
   <p:cSld>
     <p:spTree>
@@ -25171,8 +26062,8 @@
         </p:nvSpPr>
         <p:spPr>
           <a:xfrm>
-            <a:off x="502666" y="707105"/>
-            <a:ext cx="3115178" cy="761964"/>
+            <a:off x="511997" y="418870"/>
+            <a:ext cx="2539113" cy="598167"/>
           </a:xfrm>
         </p:spPr>
         <p:txBody>
@@ -25213,7 +26104,7 @@
             <a:fld id="{47FEACEE-25B4-4A2D-B147-27296E36371D}" type="slidenum">
               <a:rPr lang="en-US" altLang="zh-CN" smtClean="0"/>
               <a:pPr/>
-              <a:t>7</a:t>
+              <a:t>9</a:t>
             </a:fld>
             <a:endParaRPr lang="en-US" altLang="zh-CN" dirty="0"/>
           </a:p>
@@ -25233,7 +26124,7 @@
         </p:nvSpPr>
         <p:spPr>
           <a:xfrm>
-            <a:off x="4651513" y="418870"/>
+            <a:off x="4651513" y="372217"/>
             <a:ext cx="6361044" cy="6324808"/>
           </a:xfrm>
           <a:prstGeom prst="rect">
@@ -25246,18 +26137,23 @@
           </a:bodyPr>
           <a:lstStyle/>
           <a:p>
-            <a:pPr marL="0" indent="0">
+            <a:pPr marL="285750" indent="-285750">
               <a:lnSpc>
                 <a:spcPct val="100000"/>
               </a:lnSpc>
               <a:spcBef>
                 <a:spcPts val="0"/>
               </a:spcBef>
-              <a:buFontTx/>
-              <a:buNone/>
+              <a:buFont typeface="Wingdings" panose="05000000000000000000" pitchFamily="2" charset="2"/>
+              <a:buChar char="q"/>
             </a:pPr>
             <a:r>
               <a:rPr lang="en-IN" sz="1800" b="1" dirty="0">
+                <a:solidFill>
+                  <a:schemeClr val="accent1">
+                    <a:lumMod val="50000"/>
+                  </a:schemeClr>
+                </a:solidFill>
                 <a:latin typeface="Segoe UI" panose="020B0502040204020203" pitchFamily="34" charset="0"/>
                 <a:ea typeface="微软雅黑"/>
                 <a:cs typeface="Segoe UI" panose="020B0502040204020203" pitchFamily="34" charset="0"/>
@@ -25407,18 +26303,23 @@
             </a:endParaRPr>
           </a:p>
           <a:p>
-            <a:pPr marL="0" indent="0">
+            <a:pPr marL="285750" indent="-285750">
               <a:lnSpc>
                 <a:spcPct val="100000"/>
               </a:lnSpc>
               <a:spcBef>
                 <a:spcPts val="0"/>
               </a:spcBef>
-              <a:buFontTx/>
-              <a:buNone/>
+              <a:buFont typeface="Wingdings" panose="05000000000000000000" pitchFamily="2" charset="2"/>
+              <a:buChar char="q"/>
             </a:pPr>
             <a:r>
               <a:rPr lang="en-IN" sz="1800" b="1" dirty="0">
+                <a:solidFill>
+                  <a:schemeClr val="accent1">
+                    <a:lumMod val="50000"/>
+                  </a:schemeClr>
+                </a:solidFill>
                 <a:latin typeface="Segoe UI" panose="020B0502040204020203" pitchFamily="34" charset="0"/>
                 <a:ea typeface="微软雅黑"/>
                 <a:cs typeface="Segoe UI" panose="020B0502040204020203" pitchFamily="34" charset="0"/>
@@ -25585,500 +26486,6 @@
     <p:extLst>
       <p:ext uri="{BB962C8B-B14F-4D97-AF65-F5344CB8AC3E}">
         <p14:creationId xmlns:p14="http://schemas.microsoft.com/office/powerpoint/2010/main" val="2519727083"/>
-      </p:ext>
-    </p:extLst>
-  </p:cSld>
-  <p:clrMapOvr>
-    <a:masterClrMapping/>
-  </p:clrMapOvr>
-</p:sld>
-</file>
-
-<file path=ppt/slides/slide8.xml><?xml version="1.0" encoding="utf-8"?>
-<p:sld xmlns:a="http://schemas.openxmlformats.org/drawingml/2006/main" xmlns:r="http://schemas.openxmlformats.org/officeDocument/2006/relationships" xmlns:p="http://schemas.openxmlformats.org/presentationml/2006/main">
-  <p:cSld>
-    <p:spTree>
-      <p:nvGrpSpPr>
-        <p:cNvPr id="1" name=""/>
-        <p:cNvGrpSpPr/>
-        <p:nvPr/>
-      </p:nvGrpSpPr>
-      <p:grpSpPr>
-        <a:xfrm>
-          <a:off x="0" y="0"/>
-          <a:ext cx="0" cy="0"/>
-          <a:chOff x="0" y="0"/>
-          <a:chExt cx="0" cy="0"/>
-        </a:xfrm>
-      </p:grpSpPr>
-      <p:sp>
-        <p:nvSpPr>
-          <p:cNvPr id="4" name="Footer Placeholder 3">
-            <a:extLst>
-              <a:ext uri="{FF2B5EF4-FFF2-40B4-BE49-F238E27FC236}">
-                <a16:creationId xmlns:a16="http://schemas.microsoft.com/office/drawing/2014/main" id="{8A610345-FF40-D90A-5C88-A462A10E487B}"/>
-              </a:ext>
-            </a:extLst>
-          </p:cNvPr>
-          <p:cNvSpPr>
-            <a:spLocks noGrp="1"/>
-          </p:cNvSpPr>
-          <p:nvPr>
-            <p:ph type="ftr" sz="quarter" idx="30"/>
-          </p:nvPr>
-        </p:nvSpPr>
-        <p:spPr/>
-        <p:txBody>
-          <a:bodyPr/>
-          <a:lstStyle/>
-          <a:p>
-            <a:r>
-              <a:rPr lang="en-US" noProof="0"/>
-              <a:t>Presentation title</a:t>
-            </a:r>
-            <a:endParaRPr lang="en-US" noProof="0" dirty="0"/>
-          </a:p>
-        </p:txBody>
-      </p:sp>
-      <p:sp>
-        <p:nvSpPr>
-          <p:cNvPr id="5" name="Slide Number Placeholder 4">
-            <a:extLst>
-              <a:ext uri="{FF2B5EF4-FFF2-40B4-BE49-F238E27FC236}">
-                <a16:creationId xmlns:a16="http://schemas.microsoft.com/office/drawing/2014/main" id="{E31C7500-E032-DBB5-A780-8247E3B7367B}"/>
-              </a:ext>
-            </a:extLst>
-          </p:cNvPr>
-          <p:cNvSpPr>
-            <a:spLocks noGrp="1"/>
-          </p:cNvSpPr>
-          <p:nvPr>
-            <p:ph type="sldNum" sz="quarter" idx="31"/>
-          </p:nvPr>
-        </p:nvSpPr>
-        <p:spPr/>
-        <p:txBody>
-          <a:bodyPr/>
-          <a:lstStyle/>
-          <a:p>
-            <a:fld id="{47FEACEE-25B4-4A2D-B147-27296E36371D}" type="slidenum">
-              <a:rPr lang="en-US" altLang="zh-CN" noProof="0" smtClean="0"/>
-              <a:pPr/>
-              <a:t>8</a:t>
-            </a:fld>
-            <a:endParaRPr lang="en-US" altLang="zh-CN" noProof="0" dirty="0"/>
-          </a:p>
-        </p:txBody>
-      </p:sp>
-      <p:sp>
-        <p:nvSpPr>
-          <p:cNvPr id="7" name="TextBox 6">
-            <a:extLst>
-              <a:ext uri="{FF2B5EF4-FFF2-40B4-BE49-F238E27FC236}">
-                <a16:creationId xmlns:a16="http://schemas.microsoft.com/office/drawing/2014/main" id="{C4BE45BC-CC81-9E7C-C664-FA2E4C6985D2}"/>
-              </a:ext>
-            </a:extLst>
-          </p:cNvPr>
-          <p:cNvSpPr txBox="1"/>
-          <p:nvPr/>
-        </p:nvSpPr>
-        <p:spPr>
-          <a:xfrm>
-            <a:off x="5685183" y="397565"/>
-            <a:ext cx="5377069" cy="584775"/>
-          </a:xfrm>
-          <a:prstGeom prst="rect">
-            <a:avLst/>
-          </a:prstGeom>
-        </p:spPr>
-        <p:txBody>
-          <a:bodyPr wrap="square" rtlCol="0">
-            <a:spAutoFit/>
-          </a:bodyPr>
-          <a:lstStyle/>
-          <a:p>
-            <a:pPr marL="0" indent="0">
-              <a:lnSpc>
-                <a:spcPct val="100000"/>
-              </a:lnSpc>
-              <a:spcBef>
-                <a:spcPts val="0"/>
-              </a:spcBef>
-              <a:buFontTx/>
-              <a:buNone/>
-            </a:pPr>
-            <a:r>
-              <a:rPr lang="en-IN" sz="3200" b="1" dirty="0">
-                <a:latin typeface="Segoe UI" panose="020B0502040204020203" pitchFamily="34" charset="0"/>
-                <a:ea typeface="微软雅黑"/>
-                <a:cs typeface="Segoe UI" panose="020B0502040204020203" pitchFamily="34" charset="0"/>
-              </a:rPr>
-              <a:t>HOSTING</a:t>
-            </a:r>
-          </a:p>
-        </p:txBody>
-      </p:sp>
-      <p:sp>
-        <p:nvSpPr>
-          <p:cNvPr id="8" name="TextBox 7">
-            <a:extLst>
-              <a:ext uri="{FF2B5EF4-FFF2-40B4-BE49-F238E27FC236}">
-                <a16:creationId xmlns:a16="http://schemas.microsoft.com/office/drawing/2014/main" id="{869900C8-85E6-304C-C56E-8D67E08C516F}"/>
-              </a:ext>
-            </a:extLst>
-          </p:cNvPr>
-          <p:cNvSpPr txBox="1"/>
-          <p:nvPr/>
-        </p:nvSpPr>
-        <p:spPr>
-          <a:xfrm>
-            <a:off x="5810739" y="1702214"/>
-            <a:ext cx="5470173" cy="3323987"/>
-          </a:xfrm>
-          <a:prstGeom prst="rect">
-            <a:avLst/>
-          </a:prstGeom>
-        </p:spPr>
-        <p:txBody>
-          <a:bodyPr wrap="square" rtlCol="0">
-            <a:spAutoFit/>
-          </a:bodyPr>
-          <a:lstStyle/>
-          <a:p>
-            <a:pPr marL="0" indent="0">
-              <a:lnSpc>
-                <a:spcPct val="150000"/>
-              </a:lnSpc>
-              <a:spcBef>
-                <a:spcPts val="0"/>
-              </a:spcBef>
-              <a:buFontTx/>
-              <a:buNone/>
-            </a:pPr>
-            <a:r>
-              <a:rPr lang="en-IN" dirty="0">
-                <a:ea typeface="微软雅黑"/>
-                <a:cs typeface="Aparajita" panose="02020603050405020304" pitchFamily="18" charset="0"/>
-              </a:rPr>
-              <a:t>Render is a unified cloud to build and run all your apps and websites with free TLS certificates, a global CDN, DDoS protection, private networks, and deploys from Git.</a:t>
-            </a:r>
-          </a:p>
-          <a:p>
-            <a:pPr marL="0" indent="0">
-              <a:lnSpc>
-                <a:spcPct val="100000"/>
-              </a:lnSpc>
-              <a:spcBef>
-                <a:spcPts val="0"/>
-              </a:spcBef>
-              <a:buFontTx/>
-              <a:buNone/>
-            </a:pPr>
-            <a:endParaRPr lang="en-IN" sz="1800" dirty="0">
-              <a:latin typeface="Posterama" panose="020B0504020200020000" pitchFamily="34" charset="0"/>
-              <a:ea typeface="微软雅黑"/>
-              <a:cs typeface="Posterama" panose="020B0504020200020000" pitchFamily="34" charset="0"/>
-            </a:endParaRPr>
-          </a:p>
-          <a:p>
-            <a:pPr marL="0" indent="0">
-              <a:lnSpc>
-                <a:spcPct val="100000"/>
-              </a:lnSpc>
-              <a:spcBef>
-                <a:spcPts val="0"/>
-              </a:spcBef>
-              <a:buFontTx/>
-              <a:buNone/>
-            </a:pPr>
-            <a:endParaRPr lang="en-IN" dirty="0">
-              <a:latin typeface="Posterama" panose="020B0504020200020000" pitchFamily="34" charset="0"/>
-              <a:ea typeface="微软雅黑"/>
-              <a:cs typeface="Posterama" panose="020B0504020200020000" pitchFamily="34" charset="0"/>
-            </a:endParaRPr>
-          </a:p>
-          <a:p>
-            <a:pPr marL="0" indent="0">
-              <a:lnSpc>
-                <a:spcPct val="100000"/>
-              </a:lnSpc>
-              <a:spcBef>
-                <a:spcPts val="0"/>
-              </a:spcBef>
-              <a:buFontTx/>
-              <a:buNone/>
-            </a:pPr>
-            <a:endParaRPr lang="en-IN" sz="1800" dirty="0">
-              <a:latin typeface="Posterama" panose="020B0504020200020000" pitchFamily="34" charset="0"/>
-              <a:ea typeface="微软雅黑"/>
-              <a:cs typeface="Posterama" panose="020B0504020200020000" pitchFamily="34" charset="0"/>
-            </a:endParaRPr>
-          </a:p>
-          <a:p>
-            <a:pPr marL="0" indent="0">
-              <a:lnSpc>
-                <a:spcPct val="100000"/>
-              </a:lnSpc>
-              <a:spcBef>
-                <a:spcPts val="0"/>
-              </a:spcBef>
-              <a:buFontTx/>
-              <a:buNone/>
-            </a:pPr>
-            <a:r>
-              <a:rPr lang="en-IN" dirty="0">
-                <a:latin typeface="Posterama" panose="020B0504020200020000" pitchFamily="34" charset="0"/>
-                <a:ea typeface="微软雅黑"/>
-                <a:cs typeface="Posterama" panose="020B0504020200020000" pitchFamily="34" charset="0"/>
-              </a:rPr>
-              <a:t>Link</a:t>
-            </a:r>
-          </a:p>
-          <a:p>
-            <a:pPr marL="0" indent="0">
-              <a:lnSpc>
-                <a:spcPct val="100000"/>
-              </a:lnSpc>
-              <a:spcBef>
-                <a:spcPts val="0"/>
-              </a:spcBef>
-              <a:buFontTx/>
-              <a:buNone/>
-            </a:pPr>
-            <a:endParaRPr lang="en-IN" sz="1200" dirty="0">
-              <a:latin typeface="Posterama" panose="020B0504020200020000" pitchFamily="34" charset="0"/>
-              <a:ea typeface="微软雅黑"/>
-              <a:cs typeface="Posterama" panose="020B0504020200020000" pitchFamily="34" charset="0"/>
-            </a:endParaRPr>
-          </a:p>
-          <a:p>
-            <a:pPr marL="0" indent="0">
-              <a:lnSpc>
-                <a:spcPct val="100000"/>
-              </a:lnSpc>
-              <a:spcBef>
-                <a:spcPts val="0"/>
-              </a:spcBef>
-              <a:buFontTx/>
-              <a:buNone/>
-            </a:pPr>
-            <a:r>
-              <a:rPr lang="en-IN" sz="1800" dirty="0">
-                <a:solidFill>
-                  <a:schemeClr val="accent1">
-                    <a:lumMod val="75000"/>
-                  </a:schemeClr>
-                </a:solidFill>
-                <a:latin typeface="Posterama" panose="020B0504020200020000" pitchFamily="34" charset="0"/>
-                <a:ea typeface="微软雅黑"/>
-                <a:cs typeface="Posterama" panose="020B0504020200020000" pitchFamily="34" charset="0"/>
-                <a:hlinkClick r:id="rId2">
-                  <a:extLst>
-                    <a:ext uri="{A12FA001-AC4F-418D-AE19-62706E023703}">
-                      <ahyp:hlinkClr xmlns:ahyp="http://schemas.microsoft.com/office/drawing/2018/hyperlinkcolor" val="tx"/>
-                    </a:ext>
-                  </a:extLst>
-                </a:hlinkClick>
-              </a:rPr>
-              <a:t>https://voting-application.onrender.com/</a:t>
-            </a:r>
-            <a:endParaRPr lang="en-IN" sz="1800" dirty="0">
-              <a:solidFill>
-                <a:schemeClr val="accent1">
-                  <a:lumMod val="75000"/>
-                </a:schemeClr>
-              </a:solidFill>
-              <a:latin typeface="Posterama" panose="020B0504020200020000" pitchFamily="34" charset="0"/>
-              <a:ea typeface="微软雅黑"/>
-              <a:cs typeface="Posterama" panose="020B0504020200020000" pitchFamily="34" charset="0"/>
-            </a:endParaRPr>
-          </a:p>
-        </p:txBody>
-      </p:sp>
-    </p:spTree>
-    <p:extLst>
-      <p:ext uri="{BB962C8B-B14F-4D97-AF65-F5344CB8AC3E}">
-        <p14:creationId xmlns:p14="http://schemas.microsoft.com/office/powerpoint/2010/main" val="32955924"/>
-      </p:ext>
-    </p:extLst>
-  </p:cSld>
-  <p:clrMapOvr>
-    <a:masterClrMapping/>
-  </p:clrMapOvr>
-</p:sld>
-</file>
-
-<file path=ppt/slides/slide9.xml><?xml version="1.0" encoding="utf-8"?>
-<p:sld xmlns:a="http://schemas.openxmlformats.org/drawingml/2006/main" xmlns:r="http://schemas.openxmlformats.org/officeDocument/2006/relationships" xmlns:p="http://schemas.openxmlformats.org/presentationml/2006/main">
-  <p:cSld>
-    <p:spTree>
-      <p:nvGrpSpPr>
-        <p:cNvPr id="1" name=""/>
-        <p:cNvGrpSpPr/>
-        <p:nvPr/>
-      </p:nvGrpSpPr>
-      <p:grpSpPr>
-        <a:xfrm>
-          <a:off x="0" y="0"/>
-          <a:ext cx="0" cy="0"/>
-          <a:chOff x="0" y="0"/>
-          <a:chExt cx="0" cy="0"/>
-        </a:xfrm>
-      </p:grpSpPr>
-      <p:sp>
-        <p:nvSpPr>
-          <p:cNvPr id="6" name="Title 5">
-            <a:extLst>
-              <a:ext uri="{FF2B5EF4-FFF2-40B4-BE49-F238E27FC236}">
-                <a16:creationId xmlns:a16="http://schemas.microsoft.com/office/drawing/2014/main" id="{4EFA9173-F892-5C7D-99AF-4C5FFB1532B4}"/>
-              </a:ext>
-            </a:extLst>
-          </p:cNvPr>
-          <p:cNvSpPr>
-            <a:spLocks noGrp="1"/>
-          </p:cNvSpPr>
-          <p:nvPr>
-            <p:ph type="title"/>
-          </p:nvPr>
-        </p:nvSpPr>
-        <p:spPr/>
-        <p:txBody>
-          <a:bodyPr/>
-          <a:lstStyle/>
-          <a:p>
-            <a:r>
-              <a:rPr lang="en-US" dirty="0"/>
-              <a:t>THANK YOU</a:t>
-            </a:r>
-          </a:p>
-        </p:txBody>
-      </p:sp>
-      <p:sp>
-        <p:nvSpPr>
-          <p:cNvPr id="29" name="Text Placeholder 28">
-            <a:extLst>
-              <a:ext uri="{FF2B5EF4-FFF2-40B4-BE49-F238E27FC236}">
-                <a16:creationId xmlns:a16="http://schemas.microsoft.com/office/drawing/2014/main" id="{52FD53DB-CD39-2575-F8BA-63488E81091E}"/>
-              </a:ext>
-            </a:extLst>
-          </p:cNvPr>
-          <p:cNvSpPr>
-            <a:spLocks noGrp="1"/>
-          </p:cNvSpPr>
-          <p:nvPr>
-            <p:ph type="body" sz="quarter" idx="28"/>
-          </p:nvPr>
-        </p:nvSpPr>
-        <p:spPr>
-          <a:xfrm>
-            <a:off x="517427" y="3253120"/>
-            <a:ext cx="4621103" cy="1159854"/>
-          </a:xfrm>
-        </p:spPr>
-        <p:txBody>
-          <a:bodyPr/>
-          <a:lstStyle/>
-          <a:p>
-            <a:r>
-              <a:rPr lang="en-US" dirty="0"/>
-              <a:t>Name: Vishwanath A</a:t>
-            </a:r>
-          </a:p>
-          <a:p>
-            <a:r>
-              <a:rPr lang="en-US" dirty="0"/>
-              <a:t>Reg No: 21CSEA35</a:t>
-            </a:r>
-          </a:p>
-          <a:p>
-            <a:r>
-              <a:rPr lang="en-US" dirty="0"/>
-              <a:t>Course: 2</a:t>
-            </a:r>
-            <a:r>
-              <a:rPr lang="en-US" baseline="30000" dirty="0"/>
-              <a:t>nd</a:t>
-            </a:r>
-            <a:r>
-              <a:rPr lang="en-US" dirty="0"/>
-              <a:t> MCA – 1</a:t>
-            </a:r>
-            <a:r>
-              <a:rPr lang="en-US" baseline="30000" dirty="0"/>
-              <a:t>st</a:t>
-            </a:r>
-            <a:r>
-              <a:rPr lang="en-US" dirty="0"/>
-              <a:t> Batch</a:t>
-            </a:r>
-          </a:p>
-          <a:p>
-            <a:endParaRPr lang="en-US" dirty="0"/>
-          </a:p>
-        </p:txBody>
-      </p:sp>
-      <p:pic>
-        <p:nvPicPr>
-          <p:cNvPr id="38" name="Picture Placeholder 37">
-            <a:extLst>
-              <a:ext uri="{FF2B5EF4-FFF2-40B4-BE49-F238E27FC236}">
-                <a16:creationId xmlns:a16="http://schemas.microsoft.com/office/drawing/2014/main" id="{4162880A-4A88-ED9F-357E-65638ED8BB0C}"/>
-              </a:ext>
-            </a:extLst>
-          </p:cNvPr>
-          <p:cNvPicPr>
-            <a:picLocks noGrp="1" noChangeAspect="1"/>
-          </p:cNvPicPr>
-          <p:nvPr>
-            <p:ph type="pic" sz="quarter" idx="48"/>
-          </p:nvPr>
-        </p:nvPicPr>
-        <p:blipFill>
-          <a:blip r:embed="rId2"/>
-          <a:srcRect/>
-          <a:stretch/>
-        </p:blipFill>
-        <p:spPr>
-          <a:xfrm>
-            <a:off x="7493157" y="1478422"/>
-            <a:ext cx="4401828" cy="2934552"/>
-          </a:xfrm>
-        </p:spPr>
-      </p:pic>
-      <p:sp>
-        <p:nvSpPr>
-          <p:cNvPr id="5" name="Slide Number Placeholder 4">
-            <a:extLst>
-              <a:ext uri="{FF2B5EF4-FFF2-40B4-BE49-F238E27FC236}">
-                <a16:creationId xmlns:a16="http://schemas.microsoft.com/office/drawing/2014/main" id="{02F30A6A-65C9-04FE-77CF-C95CC406DBDB}"/>
-              </a:ext>
-            </a:extLst>
-          </p:cNvPr>
-          <p:cNvSpPr>
-            <a:spLocks noGrp="1"/>
-          </p:cNvSpPr>
-          <p:nvPr>
-            <p:ph type="sldNum" sz="quarter" idx="50"/>
-          </p:nvPr>
-        </p:nvSpPr>
-        <p:spPr/>
-        <p:txBody>
-          <a:bodyPr/>
-          <a:lstStyle/>
-          <a:p>
-            <a:fld id="{47FEACEE-25B4-4A2D-B147-27296E36371D}" type="slidenum">
-              <a:rPr lang="en-US" altLang="zh-CN" smtClean="0"/>
-              <a:pPr/>
-              <a:t>9</a:t>
-            </a:fld>
-            <a:endParaRPr lang="en-US" altLang="zh-CN" dirty="0"/>
-          </a:p>
-        </p:txBody>
-      </p:sp>
-    </p:spTree>
-    <p:extLst>
-      <p:ext uri="{BB962C8B-B14F-4D97-AF65-F5344CB8AC3E}">
-        <p14:creationId xmlns:p14="http://schemas.microsoft.com/office/powerpoint/2010/main" val="4157533387"/>
       </p:ext>
     </p:extLst>
   </p:cSld>
@@ -26905,6 +27312,15 @@
 </file>
 
 <file path=customXml/item1.xml><?xml version="1.0" encoding="utf-8"?>
+<?mso-contentType ?>
+<FormTemplates xmlns="http://schemas.microsoft.com/sharepoint/v3/contenttype/forms">
+  <Display>DocumentLibraryForm</Display>
+  <Edit>DocumentLibraryForm</Edit>
+  <New>DocumentLibraryForm</New>
+</FormTemplates>
+</file>
+
+<file path=customXml/item2.xml><?xml version="1.0" encoding="utf-8"?>
 <p:properties xmlns:p="http://schemas.microsoft.com/office/2006/metadata/properties" xmlns:xsi="http://www.w3.org/2001/XMLSchema-instance" xmlns:pc="http://schemas.microsoft.com/office/infopath/2007/PartnerControls">
   <documentManagement>
     <_ip_UnifiedCompliancePolicyUIAction xmlns="http://schemas.microsoft.com/sharepoint/v3" xsi:nil="true"/>
@@ -26922,15 +27338,6 @@
     <MediaServiceKeyPoints xmlns="71af3243-3dd4-4a8d-8c0d-dd76da1f02a5" xsi:nil="true"/>
   </documentManagement>
 </p:properties>
-</file>
-
-<file path=customXml/item2.xml><?xml version="1.0" encoding="utf-8"?>
-<?mso-contentType ?>
-<FormTemplates xmlns="http://schemas.microsoft.com/sharepoint/v3/contenttype/forms">
-  <Display>DocumentLibraryForm</Display>
-  <Edit>DocumentLibraryForm</Edit>
-  <New>DocumentLibraryForm</New>
-</FormTemplates>
 </file>
 
 <file path=customXml/item3.xml><?xml version="1.0" encoding="utf-8"?>
@@ -27222,28 +27629,28 @@
 </file>
 
 <file path=customXml/itemProps1.xml><?xml version="1.0" encoding="utf-8"?>
-<ds:datastoreItem xmlns:ds="http://schemas.openxmlformats.org/officeDocument/2006/customXml" ds:itemID="{B2C81503-9DEF-42F3-A99B-D5E0223E195B}">
+<ds:datastoreItem xmlns:ds="http://schemas.openxmlformats.org/officeDocument/2006/customXml" ds:itemID="{6F156100-9533-4411-B0C0-FA18F914F7B6}">
   <ds:schemaRefs>
-    <ds:schemaRef ds:uri="http://schemas.microsoft.com/sharepoint/v3"/>
-    <ds:schemaRef ds:uri="http://schemas.microsoft.com/office/2006/documentManagement/types"/>
-    <ds:schemaRef ds:uri="http://www.w3.org/XML/1998/namespace"/>
-    <ds:schemaRef ds:uri="http://schemas.microsoft.com/office/2006/metadata/properties"/>
-    <ds:schemaRef ds:uri="http://schemas.microsoft.com/office/infopath/2007/PartnerControls"/>
-    <ds:schemaRef ds:uri="230e9df3-be65-4c73-a93b-d1236ebd677e"/>
-    <ds:schemaRef ds:uri="http://schemas.openxmlformats.org/package/2006/metadata/core-properties"/>
-    <ds:schemaRef ds:uri="http://purl.org/dc/dcmitype/"/>
-    <ds:schemaRef ds:uri="16c05727-aa75-4e4a-9b5f-8a80a1165891"/>
-    <ds:schemaRef ds:uri="71af3243-3dd4-4a8d-8c0d-dd76da1f02a5"/>
-    <ds:schemaRef ds:uri="http://purl.org/dc/terms/"/>
-    <ds:schemaRef ds:uri="http://purl.org/dc/elements/1.1/"/>
+    <ds:schemaRef ds:uri="http://schemas.microsoft.com/sharepoint/v3/contenttype/forms"/>
   </ds:schemaRefs>
 </ds:datastoreItem>
 </file>
 
 <file path=customXml/itemProps2.xml><?xml version="1.0" encoding="utf-8"?>
-<ds:datastoreItem xmlns:ds="http://schemas.openxmlformats.org/officeDocument/2006/customXml" ds:itemID="{6F156100-9533-4411-B0C0-FA18F914F7B6}">
+<ds:datastoreItem xmlns:ds="http://schemas.openxmlformats.org/officeDocument/2006/customXml" ds:itemID="{B2C81503-9DEF-42F3-A99B-D5E0223E195B}">
   <ds:schemaRefs>
-    <ds:schemaRef ds:uri="http://schemas.microsoft.com/sharepoint/v3/contenttype/forms"/>
+    <ds:schemaRef ds:uri="http://purl.org/dc/elements/1.1/"/>
+    <ds:schemaRef ds:uri="http://schemas.microsoft.com/office/2006/metadata/properties"/>
+    <ds:schemaRef ds:uri="http://purl.org/dc/dcmitype/"/>
+    <ds:schemaRef ds:uri="http://schemas.microsoft.com/office/2006/documentManagement/types"/>
+    <ds:schemaRef ds:uri="http://schemas.microsoft.com/office/infopath/2007/PartnerControls"/>
+    <ds:schemaRef ds:uri="http://www.w3.org/XML/1998/namespace"/>
+    <ds:schemaRef ds:uri="http://schemas.microsoft.com/sharepoint/v3"/>
+    <ds:schemaRef ds:uri="71af3243-3dd4-4a8d-8c0d-dd76da1f02a5"/>
+    <ds:schemaRef ds:uri="230e9df3-be65-4c73-a93b-d1236ebd677e"/>
+    <ds:schemaRef ds:uri="http://schemas.openxmlformats.org/package/2006/metadata/core-properties"/>
+    <ds:schemaRef ds:uri="16c05727-aa75-4e4a-9b5f-8a80a1165891"/>
+    <ds:schemaRef ds:uri="http://purl.org/dc/terms/"/>
   </ds:schemaRefs>
 </ds:datastoreItem>
 </file>
